--- a/在至高之處.pptx
+++ b/在至高之處.pptx
@@ -108,6 +108,11 @@
       </a:defRPr>
     </a:lvl9pPr>
   </p:defaultTextStyle>
+  <p:extLst>
+    <p:ext uri="{EFAFB233-063F-42B5-8137-9DF3F51BA10A}">
+      <p15:sldGuideLst xmlns:p15="http://schemas.microsoft.com/office/powerpoint/2012/main"/>
+    </p:ext>
+  </p:extLst>
 </p:presentation>
 </file>
 
@@ -292,7 +297,7 @@
           <a:p>
             <a:fld id="{F2E68A95-A18D-41EB-A259-7E11833DF924}" type="datetimeFigureOut">
               <a:rPr lang="vi-VN" smtClean="0"/>
-              <a:t>26/02/2021</a:t>
+              <a:t>20/05/2023</a:t>
             </a:fld>
             <a:endParaRPr lang="vi-VN"/>
           </a:p>
@@ -462,7 +467,7 @@
           <a:p>
             <a:fld id="{F2E68A95-A18D-41EB-A259-7E11833DF924}" type="datetimeFigureOut">
               <a:rPr lang="vi-VN" smtClean="0"/>
-              <a:t>26/02/2021</a:t>
+              <a:t>20/05/2023</a:t>
             </a:fld>
             <a:endParaRPr lang="vi-VN"/>
           </a:p>
@@ -642,7 +647,7 @@
           <a:p>
             <a:fld id="{F2E68A95-A18D-41EB-A259-7E11833DF924}" type="datetimeFigureOut">
               <a:rPr lang="vi-VN" smtClean="0"/>
-              <a:t>26/02/2021</a:t>
+              <a:t>20/05/2023</a:t>
             </a:fld>
             <a:endParaRPr lang="vi-VN"/>
           </a:p>
@@ -812,7 +817,7 @@
           <a:p>
             <a:fld id="{F2E68A95-A18D-41EB-A259-7E11833DF924}" type="datetimeFigureOut">
               <a:rPr lang="vi-VN" smtClean="0"/>
-              <a:t>26/02/2021</a:t>
+              <a:t>20/05/2023</a:t>
             </a:fld>
             <a:endParaRPr lang="vi-VN"/>
           </a:p>
@@ -1058,7 +1063,7 @@
           <a:p>
             <a:fld id="{F2E68A95-A18D-41EB-A259-7E11833DF924}" type="datetimeFigureOut">
               <a:rPr lang="vi-VN" smtClean="0"/>
-              <a:t>26/02/2021</a:t>
+              <a:t>20/05/2023</a:t>
             </a:fld>
             <a:endParaRPr lang="vi-VN"/>
           </a:p>
@@ -1346,7 +1351,7 @@
           <a:p>
             <a:fld id="{F2E68A95-A18D-41EB-A259-7E11833DF924}" type="datetimeFigureOut">
               <a:rPr lang="vi-VN" smtClean="0"/>
-              <a:t>26/02/2021</a:t>
+              <a:t>20/05/2023</a:t>
             </a:fld>
             <a:endParaRPr lang="vi-VN"/>
           </a:p>
@@ -1768,7 +1773,7 @@
           <a:p>
             <a:fld id="{F2E68A95-A18D-41EB-A259-7E11833DF924}" type="datetimeFigureOut">
               <a:rPr lang="vi-VN" smtClean="0"/>
-              <a:t>26/02/2021</a:t>
+              <a:t>20/05/2023</a:t>
             </a:fld>
             <a:endParaRPr lang="vi-VN"/>
           </a:p>
@@ -1886,7 +1891,7 @@
           <a:p>
             <a:fld id="{F2E68A95-A18D-41EB-A259-7E11833DF924}" type="datetimeFigureOut">
               <a:rPr lang="vi-VN" smtClean="0"/>
-              <a:t>26/02/2021</a:t>
+              <a:t>20/05/2023</a:t>
             </a:fld>
             <a:endParaRPr lang="vi-VN"/>
           </a:p>
@@ -1981,7 +1986,7 @@
           <a:p>
             <a:fld id="{F2E68A95-A18D-41EB-A259-7E11833DF924}" type="datetimeFigureOut">
               <a:rPr lang="vi-VN" smtClean="0"/>
-              <a:t>26/02/2021</a:t>
+              <a:t>20/05/2023</a:t>
             </a:fld>
             <a:endParaRPr lang="vi-VN"/>
           </a:p>
@@ -2258,7 +2263,7 @@
           <a:p>
             <a:fld id="{F2E68A95-A18D-41EB-A259-7E11833DF924}" type="datetimeFigureOut">
               <a:rPr lang="vi-VN" smtClean="0"/>
-              <a:t>26/02/2021</a:t>
+              <a:t>20/05/2023</a:t>
             </a:fld>
             <a:endParaRPr lang="vi-VN"/>
           </a:p>
@@ -2515,7 +2520,7 @@
           <a:p>
             <a:fld id="{F2E68A95-A18D-41EB-A259-7E11833DF924}" type="datetimeFigureOut">
               <a:rPr lang="vi-VN" smtClean="0"/>
-              <a:t>26/02/2021</a:t>
+              <a:t>20/05/2023</a:t>
             </a:fld>
             <a:endParaRPr lang="vi-VN"/>
           </a:p>
@@ -2733,7 +2738,7 @@
           <a:p>
             <a:fld id="{F2E68A95-A18D-41EB-A259-7E11833DF924}" type="datetimeFigureOut">
               <a:rPr lang="vi-VN" smtClean="0"/>
-              <a:t>26/02/2021</a:t>
+              <a:t>20/05/2023</a:t>
             </a:fld>
             <a:endParaRPr lang="vi-VN"/>
           </a:p>
@@ -3145,24 +3150,7 @@
                 <a:latin typeface="微軟正黑體" pitchFamily="34" charset="-120"/>
                 <a:ea typeface="微軟正黑體" pitchFamily="34" charset="-120"/>
               </a:rPr>
-              <a:t>在</a:t>
-            </a:r>
-            <a:r>
-              <a:rPr lang="zh-CN" altLang="en-US" sz="7200" b="1" i="1" dirty="0">
-                <a:solidFill>
-                  <a:srgbClr val="000066"/>
-                </a:solidFill>
-                <a:effectLst>
-                  <a:outerShdw blurRad="38100" dist="38100" dir="2700000" algn="tl">
-                    <a:srgbClr val="000000">
-                      <a:alpha val="43137"/>
-                    </a:srgbClr>
-                  </a:outerShdw>
-                </a:effectLst>
-                <a:latin typeface="微軟正黑體" pitchFamily="34" charset="-120"/>
-                <a:ea typeface="微軟正黑體" pitchFamily="34" charset="-120"/>
-              </a:rPr>
-              <a:t>至高之處</a:t>
+              <a:t>在至高之處</a:t>
             </a:r>
             <a:endParaRPr lang="zh-TW" altLang="en-US" sz="7200" b="1" i="1" dirty="0">
               <a:solidFill>
@@ -3244,47 +3232,7 @@
                 <a:latin typeface="微軟正黑體" pitchFamily="34" charset="-120"/>
                 <a:ea typeface="微軟正黑體" pitchFamily="34" charset="-120"/>
               </a:rPr>
-              <a:t>在</a:t>
-            </a:r>
-            <a:r>
-              <a:rPr lang="zh-TW" altLang="en-US" sz="6400" b="1" dirty="0">
-                <a:solidFill>
-                  <a:srgbClr val="000066"/>
-                </a:solidFill>
-                <a:latin typeface="微軟正黑體" pitchFamily="34" charset="-120"/>
-                <a:ea typeface="微軟正黑體" pitchFamily="34" charset="-120"/>
-              </a:rPr>
-              <a:t>至高之</a:t>
-            </a:r>
-            <a:r>
-              <a:rPr lang="zh-TW" altLang="en-US" sz="6400" b="1" dirty="0">
-                <a:solidFill>
-                  <a:srgbClr val="000066"/>
-                </a:solidFill>
-                <a:latin typeface="微軟正黑體" pitchFamily="34" charset="-120"/>
-                <a:ea typeface="微軟正黑體" pitchFamily="34" charset="-120"/>
-              </a:rPr>
-              <a:t>處   我</a:t>
-            </a:r>
-            <a:r>
-              <a:rPr lang="zh-TW" altLang="en-US" sz="6400" b="1" dirty="0">
-                <a:solidFill>
-                  <a:srgbClr val="000066"/>
-                </a:solidFill>
-                <a:latin typeface="微軟正黑體" pitchFamily="34" charset="-120"/>
-                <a:ea typeface="微軟正黑體" pitchFamily="34" charset="-120"/>
-              </a:rPr>
-              <a:t>獻上感</a:t>
-            </a:r>
-            <a:r>
-              <a:rPr lang="zh-TW" altLang="en-US" sz="6400" b="1" dirty="0">
-                <a:solidFill>
-                  <a:srgbClr val="000066"/>
-                </a:solidFill>
-                <a:latin typeface="微軟正黑體" pitchFamily="34" charset="-120"/>
-                <a:ea typeface="微軟正黑體" pitchFamily="34" charset="-120"/>
-              </a:rPr>
-              <a:t>恩</a:t>
+              <a:t>在至高之處   我獻上感恩</a:t>
             </a:r>
             <a:endParaRPr lang="en-US" altLang="zh-TW" sz="6400" b="1" dirty="0">
               <a:solidFill>
@@ -3306,37 +3254,7 @@
                 <a:latin typeface="微軟正黑體" pitchFamily="34" charset="-120"/>
                 <a:ea typeface="微軟正黑體" pitchFamily="34" charset="-120"/>
               </a:rPr>
-              <a:t>在</a:t>
-            </a:r>
-            <a:r>
-              <a:rPr lang="zh-TW" altLang="en-US" sz="6400" b="1" dirty="0">
-                <a:solidFill>
-                  <a:srgbClr val="000066"/>
-                </a:solidFill>
-                <a:latin typeface="微軟正黑體" pitchFamily="34" charset="-120"/>
-                <a:ea typeface="微軟正黑體" pitchFamily="34" charset="-120"/>
-              </a:rPr>
-              <a:t>至高之</a:t>
-            </a:r>
-            <a:r>
-              <a:rPr lang="zh-TW" altLang="en-US" sz="6400" b="1" dirty="0">
-                <a:solidFill>
-                  <a:srgbClr val="000066"/>
-                </a:solidFill>
-                <a:latin typeface="微軟正黑體" pitchFamily="34" charset="-120"/>
-                <a:ea typeface="微軟正黑體" pitchFamily="34" charset="-120"/>
-              </a:rPr>
-              <a:t>處   我</a:t>
-            </a:r>
-            <a:r>
-              <a:rPr lang="zh-TW" altLang="en-US" sz="6400" b="1" dirty="0">
-                <a:solidFill>
-                  <a:srgbClr val="000066"/>
-                </a:solidFill>
-                <a:latin typeface="微軟正黑體" pitchFamily="34" charset="-120"/>
-                <a:ea typeface="微軟正黑體" pitchFamily="34" charset="-120"/>
-              </a:rPr>
-              <a:t>舉手敬拜</a:t>
+              <a:t>在至高之處   我舉手敬拜</a:t>
             </a:r>
             <a:endParaRPr lang="en-US" altLang="zh-TW" sz="6400" b="1" dirty="0">
               <a:solidFill>
@@ -3344,6 +3262,68 @@
               </a:solidFill>
               <a:latin typeface="微軟正黑體" pitchFamily="34" charset="-120"/>
               <a:ea typeface="微軟正黑體" pitchFamily="34" charset="-120"/>
+            </a:endParaRPr>
+          </a:p>
+        </p:txBody>
+      </p:sp>
+      <p:sp>
+        <p:nvSpPr>
+          <p:cNvPr id="3" name="TextBox 2"/>
+          <p:cNvSpPr txBox="1"/>
+          <p:nvPr/>
+        </p:nvSpPr>
+        <p:spPr>
+          <a:xfrm>
+            <a:off x="0" y="5126678"/>
+            <a:ext cx="12192000" cy="646331"/>
+          </a:xfrm>
+          <a:prstGeom prst="rect">
+            <a:avLst/>
+          </a:prstGeom>
+          <a:noFill/>
+        </p:spPr>
+        <p:txBody>
+          <a:bodyPr wrap="square" rtlCol="0">
+            <a:spAutoFit/>
+          </a:bodyPr>
+          <a:lstStyle/>
+          <a:p>
+            <a:pPr algn="ctr"/>
+            <a:r>
+              <a:rPr lang="en-US" sz="3600" b="1" dirty="0" smtClean="0">
+                <a:solidFill>
+                  <a:srgbClr val="000066"/>
+                </a:solidFill>
+                <a:latin typeface="Microsoft JhengHei" panose="020B0604030504040204" pitchFamily="34" charset="-120"/>
+                <a:ea typeface="Microsoft JhengHei" panose="020B0604030504040204" pitchFamily="34" charset="-120"/>
+              </a:rPr>
+              <a:t>( </a:t>
+            </a:r>
+            <a:r>
+              <a:rPr lang="zh-CN" altLang="en-US" sz="3600" b="1" dirty="0" smtClean="0">
+                <a:solidFill>
+                  <a:srgbClr val="000066"/>
+                </a:solidFill>
+                <a:latin typeface="Microsoft JhengHei" panose="020B0604030504040204" pitchFamily="34" charset="-120"/>
+                <a:ea typeface="Microsoft JhengHei" panose="020B0604030504040204" pitchFamily="34" charset="-120"/>
+              </a:rPr>
+              <a:t>正</a:t>
+            </a:r>
+            <a:r>
+              <a:rPr lang="en-US" sz="3600" b="1" dirty="0" smtClean="0">
+                <a:solidFill>
+                  <a:srgbClr val="000066"/>
+                </a:solidFill>
+                <a:latin typeface="Microsoft JhengHei" panose="020B0604030504040204" pitchFamily="34" charset="-120"/>
+                <a:ea typeface="Microsoft JhengHei" panose="020B0604030504040204" pitchFamily="34" charset="-120"/>
+              </a:rPr>
+              <a:t> )</a:t>
+            </a:r>
+            <a:endParaRPr lang="vi-VN" sz="3600" b="1" dirty="0">
+              <a:solidFill>
+                <a:srgbClr val="000066"/>
+              </a:solidFill>
+              <a:ea typeface="Microsoft JhengHei" panose="020B0604030504040204" pitchFamily="34" charset="-120"/>
             </a:endParaRPr>
           </a:p>
         </p:txBody>
@@ -3411,17 +3391,7 @@
                 <a:latin typeface="微軟正黑體" pitchFamily="34" charset="-120"/>
                 <a:ea typeface="微軟正黑體" pitchFamily="34" charset="-120"/>
               </a:rPr>
-              <a:t>天使天軍同聲讚美耶</a:t>
-            </a:r>
-            <a:r>
-              <a:rPr lang="zh-TW" altLang="en-US" sz="6400" b="1" dirty="0">
-                <a:solidFill>
-                  <a:srgbClr val="000066"/>
-                </a:solidFill>
-                <a:latin typeface="微軟正黑體" pitchFamily="34" charset="-120"/>
-                <a:ea typeface="微軟正黑體" pitchFamily="34" charset="-120"/>
-              </a:rPr>
-              <a:t>穌</a:t>
+              <a:t>天使天軍同聲讚美耶穌</a:t>
             </a:r>
             <a:endParaRPr lang="en-US" altLang="zh-TW" sz="6400" b="1" dirty="0">
               <a:solidFill>
@@ -3443,40 +3413,10 @@
                 <a:latin typeface="微軟正黑體" pitchFamily="34" charset="-120"/>
                 <a:ea typeface="微軟正黑體" pitchFamily="34" charset="-120"/>
               </a:rPr>
-              <a:t>最</a:t>
-            </a:r>
-            <a:r>
-              <a:rPr lang="zh-TW" altLang="en-US" sz="6400" b="1" dirty="0">
-                <a:solidFill>
-                  <a:srgbClr val="000066"/>
-                </a:solidFill>
-                <a:latin typeface="微軟正黑體" pitchFamily="34" charset="-120"/>
-                <a:ea typeface="微軟正黑體" pitchFamily="34" charset="-120"/>
-              </a:rPr>
-              <a:t>大的榮</a:t>
-            </a:r>
-            <a:r>
-              <a:rPr lang="zh-TW" altLang="en-US" sz="6400" b="1" dirty="0">
-                <a:solidFill>
-                  <a:srgbClr val="000066"/>
-                </a:solidFill>
-                <a:latin typeface="微軟正黑體" pitchFamily="34" charset="-120"/>
-                <a:ea typeface="微軟正黑體" pitchFamily="34" charset="-120"/>
-              </a:rPr>
-              <a:t>耀   都</a:t>
-            </a:r>
-            <a:r>
-              <a:rPr lang="zh-TW" altLang="en-US" sz="6400" b="1" dirty="0">
-                <a:solidFill>
-                  <a:srgbClr val="000066"/>
-                </a:solidFill>
-                <a:latin typeface="微軟正黑體" pitchFamily="34" charset="-120"/>
-                <a:ea typeface="微軟正黑體" pitchFamily="34" charset="-120"/>
-              </a:rPr>
-              <a:t>歸</a:t>
-            </a:r>
-            <a:r>
-              <a:rPr lang="zh-TW" altLang="en-US" sz="6400" b="1" dirty="0">
+              <a:t>最大的榮耀   都歸</a:t>
+            </a:r>
+            <a:r>
+              <a:rPr lang="zh-TW" altLang="en-US" sz="6400" b="1" dirty="0" smtClean="0">
                 <a:solidFill>
                   <a:srgbClr val="000066"/>
                 </a:solidFill>
@@ -3493,7 +3433,7 @@
                 <a:latin typeface="微軟正黑體" pitchFamily="34" charset="-120"/>
                 <a:ea typeface="微軟正黑體" pitchFamily="34" charset="-120"/>
               </a:rPr>
-              <a:t>袮</a:t>
+              <a:t>祢</a:t>
             </a:r>
             <a:endParaRPr lang="en-US" altLang="zh-TW" sz="6400" b="1" dirty="0">
               <a:solidFill>
@@ -3501,6 +3441,68 @@
               </a:solidFill>
               <a:latin typeface="微軟正黑體" pitchFamily="34" charset="-120"/>
               <a:ea typeface="微軟正黑體" pitchFamily="34" charset="-120"/>
+            </a:endParaRPr>
+          </a:p>
+        </p:txBody>
+      </p:sp>
+      <p:sp>
+        <p:nvSpPr>
+          <p:cNvPr id="4" name="TextBox 3"/>
+          <p:cNvSpPr txBox="1"/>
+          <p:nvPr/>
+        </p:nvSpPr>
+        <p:spPr>
+          <a:xfrm>
+            <a:off x="0" y="5126678"/>
+            <a:ext cx="12192000" cy="646331"/>
+          </a:xfrm>
+          <a:prstGeom prst="rect">
+            <a:avLst/>
+          </a:prstGeom>
+          <a:noFill/>
+        </p:spPr>
+        <p:txBody>
+          <a:bodyPr wrap="square" rtlCol="0">
+            <a:spAutoFit/>
+          </a:bodyPr>
+          <a:lstStyle/>
+          <a:p>
+            <a:pPr algn="ctr"/>
+            <a:r>
+              <a:rPr lang="en-US" sz="3600" b="1" dirty="0" smtClean="0">
+                <a:solidFill>
+                  <a:srgbClr val="000066"/>
+                </a:solidFill>
+                <a:latin typeface="Microsoft JhengHei" panose="020B0604030504040204" pitchFamily="34" charset="-120"/>
+                <a:ea typeface="Microsoft JhengHei" panose="020B0604030504040204" pitchFamily="34" charset="-120"/>
+              </a:rPr>
+              <a:t>( </a:t>
+            </a:r>
+            <a:r>
+              <a:rPr lang="zh-CN" altLang="en-US" sz="3600" b="1" dirty="0" smtClean="0">
+                <a:solidFill>
+                  <a:srgbClr val="000066"/>
+                </a:solidFill>
+                <a:latin typeface="Microsoft JhengHei" panose="020B0604030504040204" pitchFamily="34" charset="-120"/>
+                <a:ea typeface="Microsoft JhengHei" panose="020B0604030504040204" pitchFamily="34" charset="-120"/>
+              </a:rPr>
+              <a:t>正</a:t>
+            </a:r>
+            <a:r>
+              <a:rPr lang="en-US" sz="3600" b="1" dirty="0" smtClean="0">
+                <a:solidFill>
+                  <a:srgbClr val="000066"/>
+                </a:solidFill>
+                <a:latin typeface="Microsoft JhengHei" panose="020B0604030504040204" pitchFamily="34" charset="-120"/>
+                <a:ea typeface="Microsoft JhengHei" panose="020B0604030504040204" pitchFamily="34" charset="-120"/>
+              </a:rPr>
+              <a:t> )</a:t>
+            </a:r>
+            <a:endParaRPr lang="vi-VN" sz="3600" b="1" dirty="0">
+              <a:solidFill>
+                <a:srgbClr val="000066"/>
+              </a:solidFill>
+              <a:ea typeface="Microsoft JhengHei" panose="020B0604030504040204" pitchFamily="34" charset="-120"/>
             </a:endParaRPr>
           </a:p>
         </p:txBody>
@@ -3568,17 +3570,7 @@
                 <a:latin typeface="微軟正黑體" pitchFamily="34" charset="-120"/>
                 <a:ea typeface="微軟正黑體" pitchFamily="34" charset="-120"/>
               </a:rPr>
-              <a:t>在至高之處榮耀歸與</a:t>
-            </a:r>
-            <a:r>
-              <a:rPr lang="zh-TW" altLang="en-US" sz="6400" b="1" dirty="0">
-                <a:solidFill>
-                  <a:srgbClr val="000066"/>
-                </a:solidFill>
-                <a:latin typeface="微軟正黑體" pitchFamily="34" charset="-120"/>
-                <a:ea typeface="微軟正黑體" pitchFamily="34" charset="-120"/>
-              </a:rPr>
-              <a:t>神</a:t>
+              <a:t>在至高之處榮耀歸與神</a:t>
             </a:r>
             <a:endParaRPr lang="en-US" altLang="zh-TW" sz="6400" b="1" dirty="0">
               <a:solidFill>
@@ -3600,17 +3592,7 @@
                 <a:latin typeface="微軟正黑體" pitchFamily="34" charset="-120"/>
                 <a:ea typeface="微軟正黑體" pitchFamily="34" charset="-120"/>
               </a:rPr>
-              <a:t>在</a:t>
-            </a:r>
-            <a:r>
-              <a:rPr lang="zh-TW" altLang="en-US" sz="6400" b="1" dirty="0">
-                <a:solidFill>
-                  <a:srgbClr val="000066"/>
-                </a:solidFill>
-                <a:latin typeface="微軟正黑體" pitchFamily="34" charset="-120"/>
-                <a:ea typeface="微軟正黑體" pitchFamily="34" charset="-120"/>
-              </a:rPr>
-              <a:t>地上平安歸與祂所喜悅的人</a:t>
+              <a:t>在地上平安歸與祂所喜悅的人</a:t>
             </a:r>
             <a:endParaRPr lang="en-US" altLang="zh-TW" sz="6400" b="1" dirty="0">
               <a:solidFill>
@@ -3618,6 +3600,78 @@
               </a:solidFill>
               <a:latin typeface="微軟正黑體" pitchFamily="34" charset="-120"/>
               <a:ea typeface="微軟正黑體" pitchFamily="34" charset="-120"/>
+            </a:endParaRPr>
+          </a:p>
+        </p:txBody>
+      </p:sp>
+      <p:sp>
+        <p:nvSpPr>
+          <p:cNvPr id="3" name="TextBox 2"/>
+          <p:cNvSpPr txBox="1"/>
+          <p:nvPr/>
+        </p:nvSpPr>
+        <p:spPr>
+          <a:xfrm>
+            <a:off x="0" y="5126678"/>
+            <a:ext cx="12192000" cy="646331"/>
+          </a:xfrm>
+          <a:prstGeom prst="rect">
+            <a:avLst/>
+          </a:prstGeom>
+          <a:noFill/>
+        </p:spPr>
+        <p:txBody>
+          <a:bodyPr wrap="square" rtlCol="0">
+            <a:spAutoFit/>
+          </a:bodyPr>
+          <a:lstStyle/>
+          <a:p>
+            <a:pPr algn="ctr"/>
+            <a:r>
+              <a:rPr lang="en-US" sz="3600" b="1" dirty="0" smtClean="0">
+                <a:solidFill>
+                  <a:srgbClr val="000066"/>
+                </a:solidFill>
+                <a:latin typeface="Microsoft JhengHei" panose="020B0604030504040204" pitchFamily="34" charset="-120"/>
+                <a:ea typeface="Microsoft JhengHei" panose="020B0604030504040204" pitchFamily="34" charset="-120"/>
+              </a:rPr>
+              <a:t>( </a:t>
+            </a:r>
+            <a:r>
+              <a:rPr lang="zh-CN" altLang="en-US" sz="3600" b="1" dirty="0" smtClean="0">
+                <a:solidFill>
+                  <a:srgbClr val="000066"/>
+                </a:solidFill>
+                <a:latin typeface="Microsoft JhengHei" panose="020B0604030504040204" pitchFamily="34" charset="-120"/>
+                <a:ea typeface="Microsoft JhengHei" panose="020B0604030504040204" pitchFamily="34" charset="-120"/>
+              </a:rPr>
+              <a:t>副</a:t>
+            </a:r>
+            <a:r>
+              <a:rPr lang="en-US" sz="3600" b="1" dirty="0" smtClean="0">
+                <a:solidFill>
+                  <a:srgbClr val="000066"/>
+                </a:solidFill>
+                <a:latin typeface="Microsoft JhengHei" panose="020B0604030504040204" pitchFamily="34" charset="-120"/>
+                <a:ea typeface="Microsoft JhengHei" panose="020B0604030504040204" pitchFamily="34" charset="-120"/>
+              </a:rPr>
+              <a:t> </a:t>
+            </a:r>
+            <a:r>
+              <a:rPr lang="en-US" sz="3600" b="1" dirty="0" smtClean="0">
+                <a:solidFill>
+                  <a:srgbClr val="000066"/>
+                </a:solidFill>
+                <a:latin typeface="Microsoft JhengHei" panose="020B0604030504040204" pitchFamily="34" charset="-120"/>
+                <a:ea typeface="Microsoft JhengHei" panose="020B0604030504040204" pitchFamily="34" charset="-120"/>
+              </a:rPr>
+              <a:t>)</a:t>
+            </a:r>
+            <a:endParaRPr lang="vi-VN" sz="3600" b="1" dirty="0">
+              <a:solidFill>
+                <a:srgbClr val="000066"/>
+              </a:solidFill>
+              <a:ea typeface="Microsoft JhengHei" panose="020B0604030504040204" pitchFamily="34" charset="-120"/>
             </a:endParaRPr>
           </a:p>
         </p:txBody>
@@ -3685,37 +3739,7 @@
                 <a:latin typeface="微軟正黑體" pitchFamily="34" charset="-120"/>
                 <a:ea typeface="微軟正黑體" pitchFamily="34" charset="-120"/>
               </a:rPr>
-              <a:t>哈利路</a:t>
-            </a:r>
-            <a:r>
-              <a:rPr lang="zh-TW" altLang="en-US" sz="6400" b="1" dirty="0">
-                <a:solidFill>
-                  <a:srgbClr val="000066"/>
-                </a:solidFill>
-                <a:latin typeface="微軟正黑體" pitchFamily="34" charset="-120"/>
-                <a:ea typeface="微軟正黑體" pitchFamily="34" charset="-120"/>
-              </a:rPr>
-              <a:t>亞   哈</a:t>
-            </a:r>
-            <a:r>
-              <a:rPr lang="zh-TW" altLang="en-US" sz="6400" b="1" dirty="0">
-                <a:solidFill>
-                  <a:srgbClr val="000066"/>
-                </a:solidFill>
-                <a:latin typeface="微軟正黑體" pitchFamily="34" charset="-120"/>
-                <a:ea typeface="微軟正黑體" pitchFamily="34" charset="-120"/>
-              </a:rPr>
-              <a:t>利路</a:t>
-            </a:r>
-            <a:r>
-              <a:rPr lang="zh-TW" altLang="en-US" sz="6400" b="1" dirty="0">
-                <a:solidFill>
-                  <a:srgbClr val="000066"/>
-                </a:solidFill>
-                <a:latin typeface="微軟正黑體" pitchFamily="34" charset="-120"/>
-                <a:ea typeface="微軟正黑體" pitchFamily="34" charset="-120"/>
-              </a:rPr>
-              <a:t>亞</a:t>
+              <a:t>哈利路亞   哈利路亞</a:t>
             </a:r>
             <a:endParaRPr lang="en-US" altLang="zh-TW" sz="6400" b="1" dirty="0">
               <a:solidFill>
@@ -3737,10 +3761,10 @@
                 <a:latin typeface="微軟正黑體" pitchFamily="34" charset="-120"/>
                 <a:ea typeface="微軟正黑體" pitchFamily="34" charset="-120"/>
               </a:rPr>
-              <a:t>袮</a:t>
-            </a:r>
-            <a:r>
-              <a:rPr lang="zh-TW" altLang="en-US" sz="6400" b="1" dirty="0">
+              <a:t>祢</a:t>
+            </a:r>
+            <a:r>
+              <a:rPr lang="zh-TW" altLang="en-US" sz="6400" b="1" dirty="0" smtClean="0">
                 <a:solidFill>
                   <a:srgbClr val="000066"/>
                 </a:solidFill>
@@ -3765,6 +3789,78 @@
               </a:solidFill>
               <a:latin typeface="微軟正黑體" pitchFamily="34" charset="-120"/>
               <a:ea typeface="微軟正黑體" pitchFamily="34" charset="-120"/>
+            </a:endParaRPr>
+          </a:p>
+        </p:txBody>
+      </p:sp>
+      <p:sp>
+        <p:nvSpPr>
+          <p:cNvPr id="3" name="TextBox 2"/>
+          <p:cNvSpPr txBox="1"/>
+          <p:nvPr/>
+        </p:nvSpPr>
+        <p:spPr>
+          <a:xfrm>
+            <a:off x="0" y="5126678"/>
+            <a:ext cx="12192000" cy="646331"/>
+          </a:xfrm>
+          <a:prstGeom prst="rect">
+            <a:avLst/>
+          </a:prstGeom>
+          <a:noFill/>
+        </p:spPr>
+        <p:txBody>
+          <a:bodyPr wrap="square" rtlCol="0">
+            <a:spAutoFit/>
+          </a:bodyPr>
+          <a:lstStyle/>
+          <a:p>
+            <a:pPr algn="ctr"/>
+            <a:r>
+              <a:rPr lang="en-US" sz="3600" b="1" dirty="0" smtClean="0">
+                <a:solidFill>
+                  <a:srgbClr val="000066"/>
+                </a:solidFill>
+                <a:latin typeface="Microsoft JhengHei" panose="020B0604030504040204" pitchFamily="34" charset="-120"/>
+                <a:ea typeface="Microsoft JhengHei" panose="020B0604030504040204" pitchFamily="34" charset="-120"/>
+              </a:rPr>
+              <a:t>( </a:t>
+            </a:r>
+            <a:r>
+              <a:rPr lang="zh-CN" altLang="en-US" sz="3600" b="1" dirty="0" smtClean="0">
+                <a:solidFill>
+                  <a:srgbClr val="000066"/>
+                </a:solidFill>
+                <a:latin typeface="Microsoft JhengHei" panose="020B0604030504040204" pitchFamily="34" charset="-120"/>
+                <a:ea typeface="Microsoft JhengHei" panose="020B0604030504040204" pitchFamily="34" charset="-120"/>
+              </a:rPr>
+              <a:t>副</a:t>
+            </a:r>
+            <a:r>
+              <a:rPr lang="en-US" sz="3600" b="1" dirty="0" smtClean="0">
+                <a:solidFill>
+                  <a:srgbClr val="000066"/>
+                </a:solidFill>
+                <a:latin typeface="Microsoft JhengHei" panose="020B0604030504040204" pitchFamily="34" charset="-120"/>
+                <a:ea typeface="Microsoft JhengHei" panose="020B0604030504040204" pitchFamily="34" charset="-120"/>
+              </a:rPr>
+              <a:t> </a:t>
+            </a:r>
+            <a:r>
+              <a:rPr lang="en-US" sz="3600" b="1" dirty="0" smtClean="0">
+                <a:solidFill>
+                  <a:srgbClr val="000066"/>
+                </a:solidFill>
+                <a:latin typeface="Microsoft JhengHei" panose="020B0604030504040204" pitchFamily="34" charset="-120"/>
+                <a:ea typeface="Microsoft JhengHei" panose="020B0604030504040204" pitchFamily="34" charset="-120"/>
+              </a:rPr>
+              <a:t>)</a:t>
+            </a:r>
+            <a:endParaRPr lang="vi-VN" sz="3600" b="1" dirty="0">
+              <a:solidFill>
+                <a:srgbClr val="000066"/>
+              </a:solidFill>
+              <a:ea typeface="Microsoft JhengHei" panose="020B0604030504040204" pitchFamily="34" charset="-120"/>
             </a:endParaRPr>
           </a:p>
         </p:txBody>
